--- a/lecture presentation slide.pptx
+++ b/lecture presentation slide.pptx
@@ -68,13 +68,13 @@
         </a:solidFill>
         <a:effectLst/>
         <a:uFillTx/>
-        <a:latin typeface="+mj-lt"/>
-        <a:ea typeface="+mj-ea"/>
-        <a:cs typeface="+mj-cs"/>
-        <a:sym typeface="Arial"/>
+        <a:latin typeface="+mn-lt"/>
+        <a:ea typeface="+mn-ea"/>
+        <a:cs typeface="+mn-cs"/>
+        <a:sym typeface="Helvetica"/>
       </a:defRPr>
     </a:lvl1pPr>
-    <a:lvl2pPr marL="0" marR="0" indent="457200" algn="l" defTabSz="914400" rtl="0" fontAlgn="auto" latinLnBrk="0" hangingPunct="0">
+    <a:lvl2pPr marL="0" marR="0" indent="0" algn="l" defTabSz="914400" rtl="0" fontAlgn="auto" latinLnBrk="0" hangingPunct="0">
       <a:lnSpc>
         <a:spcPct val="100000"/>
       </a:lnSpc>
@@ -98,13 +98,13 @@
         </a:solidFill>
         <a:effectLst/>
         <a:uFillTx/>
-        <a:latin typeface="+mj-lt"/>
-        <a:ea typeface="+mj-ea"/>
-        <a:cs typeface="+mj-cs"/>
-        <a:sym typeface="Arial"/>
+        <a:latin typeface="+mn-lt"/>
+        <a:ea typeface="+mn-ea"/>
+        <a:cs typeface="+mn-cs"/>
+        <a:sym typeface="Helvetica"/>
       </a:defRPr>
     </a:lvl2pPr>
-    <a:lvl3pPr marL="0" marR="0" indent="914400" algn="l" defTabSz="914400" rtl="0" fontAlgn="auto" latinLnBrk="0" hangingPunct="0">
+    <a:lvl3pPr marL="0" marR="0" indent="0" algn="l" defTabSz="914400" rtl="0" fontAlgn="auto" latinLnBrk="0" hangingPunct="0">
       <a:lnSpc>
         <a:spcPct val="100000"/>
       </a:lnSpc>
@@ -128,13 +128,13 @@
         </a:solidFill>
         <a:effectLst/>
         <a:uFillTx/>
-        <a:latin typeface="+mj-lt"/>
-        <a:ea typeface="+mj-ea"/>
-        <a:cs typeface="+mj-cs"/>
-        <a:sym typeface="Arial"/>
+        <a:latin typeface="+mn-lt"/>
+        <a:ea typeface="+mn-ea"/>
+        <a:cs typeface="+mn-cs"/>
+        <a:sym typeface="Helvetica"/>
       </a:defRPr>
     </a:lvl3pPr>
-    <a:lvl4pPr marL="0" marR="0" indent="1371600" algn="l" defTabSz="914400" rtl="0" fontAlgn="auto" latinLnBrk="0" hangingPunct="0">
+    <a:lvl4pPr marL="0" marR="0" indent="0" algn="l" defTabSz="914400" rtl="0" fontAlgn="auto" latinLnBrk="0" hangingPunct="0">
       <a:lnSpc>
         <a:spcPct val="100000"/>
       </a:lnSpc>
@@ -158,13 +158,13 @@
         </a:solidFill>
         <a:effectLst/>
         <a:uFillTx/>
-        <a:latin typeface="+mj-lt"/>
-        <a:ea typeface="+mj-ea"/>
-        <a:cs typeface="+mj-cs"/>
-        <a:sym typeface="Arial"/>
+        <a:latin typeface="+mn-lt"/>
+        <a:ea typeface="+mn-ea"/>
+        <a:cs typeface="+mn-cs"/>
+        <a:sym typeface="Helvetica"/>
       </a:defRPr>
     </a:lvl4pPr>
-    <a:lvl5pPr marL="0" marR="0" indent="1828800" algn="l" defTabSz="914400" rtl="0" fontAlgn="auto" latinLnBrk="0" hangingPunct="0">
+    <a:lvl5pPr marL="0" marR="0" indent="0" algn="l" defTabSz="914400" rtl="0" fontAlgn="auto" latinLnBrk="0" hangingPunct="0">
       <a:lnSpc>
         <a:spcPct val="100000"/>
       </a:lnSpc>
@@ -188,13 +188,13 @@
         </a:solidFill>
         <a:effectLst/>
         <a:uFillTx/>
-        <a:latin typeface="+mj-lt"/>
-        <a:ea typeface="+mj-ea"/>
-        <a:cs typeface="+mj-cs"/>
-        <a:sym typeface="Arial"/>
+        <a:latin typeface="+mn-lt"/>
+        <a:ea typeface="+mn-ea"/>
+        <a:cs typeface="+mn-cs"/>
+        <a:sym typeface="Helvetica"/>
       </a:defRPr>
     </a:lvl5pPr>
-    <a:lvl6pPr marL="0" marR="0" indent="2286000" algn="l" defTabSz="914400" rtl="0" fontAlgn="auto" latinLnBrk="0" hangingPunct="0">
+    <a:lvl6pPr marL="0" marR="0" indent="0" algn="l" defTabSz="914400" rtl="0" fontAlgn="auto" latinLnBrk="0" hangingPunct="0">
       <a:lnSpc>
         <a:spcPct val="100000"/>
       </a:lnSpc>
@@ -218,13 +218,13 @@
         </a:solidFill>
         <a:effectLst/>
         <a:uFillTx/>
-        <a:latin typeface="+mj-lt"/>
-        <a:ea typeface="+mj-ea"/>
-        <a:cs typeface="+mj-cs"/>
-        <a:sym typeface="Arial"/>
+        <a:latin typeface="+mn-lt"/>
+        <a:ea typeface="+mn-ea"/>
+        <a:cs typeface="+mn-cs"/>
+        <a:sym typeface="Helvetica"/>
       </a:defRPr>
     </a:lvl6pPr>
-    <a:lvl7pPr marL="0" marR="0" indent="2743200" algn="l" defTabSz="914400" rtl="0" fontAlgn="auto" latinLnBrk="0" hangingPunct="0">
+    <a:lvl7pPr marL="0" marR="0" indent="0" algn="l" defTabSz="914400" rtl="0" fontAlgn="auto" latinLnBrk="0" hangingPunct="0">
       <a:lnSpc>
         <a:spcPct val="100000"/>
       </a:lnSpc>
@@ -248,13 +248,13 @@
         </a:solidFill>
         <a:effectLst/>
         <a:uFillTx/>
-        <a:latin typeface="+mj-lt"/>
-        <a:ea typeface="+mj-ea"/>
-        <a:cs typeface="+mj-cs"/>
-        <a:sym typeface="Arial"/>
+        <a:latin typeface="+mn-lt"/>
+        <a:ea typeface="+mn-ea"/>
+        <a:cs typeface="+mn-cs"/>
+        <a:sym typeface="Helvetica"/>
       </a:defRPr>
     </a:lvl7pPr>
-    <a:lvl8pPr marL="0" marR="0" indent="3200400" algn="l" defTabSz="914400" rtl="0" fontAlgn="auto" latinLnBrk="0" hangingPunct="0">
+    <a:lvl8pPr marL="0" marR="0" indent="0" algn="l" defTabSz="914400" rtl="0" fontAlgn="auto" latinLnBrk="0" hangingPunct="0">
       <a:lnSpc>
         <a:spcPct val="100000"/>
       </a:lnSpc>
@@ -278,13 +278,13 @@
         </a:solidFill>
         <a:effectLst/>
         <a:uFillTx/>
-        <a:latin typeface="+mj-lt"/>
-        <a:ea typeface="+mj-ea"/>
-        <a:cs typeface="+mj-cs"/>
-        <a:sym typeface="Arial"/>
+        <a:latin typeface="+mn-lt"/>
+        <a:ea typeface="+mn-ea"/>
+        <a:cs typeface="+mn-cs"/>
+        <a:sym typeface="Helvetica"/>
       </a:defRPr>
     </a:lvl8pPr>
-    <a:lvl9pPr marL="0" marR="0" indent="3657600" algn="l" defTabSz="914400" rtl="0" fontAlgn="auto" latinLnBrk="0" hangingPunct="0">
+    <a:lvl9pPr marL="0" marR="0" indent="0" algn="l" defTabSz="914400" rtl="0" fontAlgn="auto" latinLnBrk="0" hangingPunct="0">
       <a:lnSpc>
         <a:spcPct val="100000"/>
       </a:lnSpc>
@@ -308,10 +308,10 @@
         </a:solidFill>
         <a:effectLst/>
         <a:uFillTx/>
-        <a:latin typeface="+mj-lt"/>
-        <a:ea typeface="+mj-ea"/>
-        <a:cs typeface="+mj-cs"/>
-        <a:sym typeface="Arial"/>
+        <a:latin typeface="+mn-lt"/>
+        <a:ea typeface="+mn-ea"/>
+        <a:cs typeface="+mn-cs"/>
+        <a:sym typeface="Helvetica"/>
       </a:defRPr>
     </a:lvl9pPr>
   </p:defaultTextStyle>
@@ -538,7 +538,14 @@
           <a:bodyPr lIns="0" tIns="0" rIns="0" bIns="0" anchor="ctr"/>
           <a:lstStyle/>
           <a:p>
-            <a:pPr/>
+            <a:pPr>
+              <a:defRPr>
+                <a:latin typeface="+mj-lt"/>
+                <a:ea typeface="+mj-ea"/>
+                <a:cs typeface="+mj-cs"/>
+                <a:sym typeface="Arial"/>
+              </a:defRPr>
+            </a:pPr>
           </a:p>
         </p:txBody>
       </p:sp>
@@ -567,7 +574,14 @@
           <a:bodyPr lIns="0" tIns="0" rIns="0" bIns="0" anchor="ctr"/>
           <a:lstStyle/>
           <a:p>
-            <a:pPr algn="ctr"/>
+            <a:pPr algn="ctr">
+              <a:defRPr>
+                <a:latin typeface="+mj-lt"/>
+                <a:ea typeface="+mj-ea"/>
+                <a:cs typeface="+mj-cs"/>
+                <a:sym typeface="Arial"/>
+              </a:defRPr>
+            </a:pPr>
           </a:p>
         </p:txBody>
       </p:sp>
@@ -590,7 +604,7 @@
         <p:spPr>
           <a:xfrm>
             <a:off x="468312" y="115887"/>
-            <a:ext cx="1511301" cy="525464"/>
+            <a:ext cx="1511301" cy="525465"/>
           </a:xfrm>
           <a:prstGeom prst="rect">
             <a:avLst/>
@@ -611,7 +625,7 @@
         <p:spPr>
           <a:xfrm>
             <a:off x="468312" y="3489721"/>
-            <a:ext cx="8280401" cy="523221"/>
+            <a:ext cx="8280401" cy="523222"/>
           </a:xfrm>
           <a:prstGeom prst="rect">
             <a:avLst/>
@@ -640,13 +654,13 @@
               </a:spcBef>
               <a:defRPr sz="2800"/>
             </a:lvl3pPr>
-            <a:lvl4pPr marL="1691639" indent="-320039">
+            <a:lvl4pPr marL="1691638" indent="-320038">
               <a:spcBef>
                 <a:spcPts val="600"/>
               </a:spcBef>
               <a:defRPr sz="2800"/>
             </a:lvl4pPr>
-            <a:lvl5pPr marL="2148839" indent="-320039">
+            <a:lvl5pPr marL="2148838" indent="-320038">
               <a:spcBef>
                 <a:spcPts val="600"/>
               </a:spcBef>
@@ -696,7 +710,7 @@
         <p:spPr>
           <a:xfrm>
             <a:off x="468315" y="1356809"/>
-            <a:ext cx="8207376" cy="646332"/>
+            <a:ext cx="8207376" cy="646333"/>
           </a:xfrm>
           <a:prstGeom prst="rect">
             <a:avLst/>
@@ -731,8 +745,8 @@
         </p:nvSpPr>
         <p:spPr>
           <a:xfrm>
-            <a:off x="8384892" y="4684712"/>
-            <a:ext cx="301909" cy="288825"/>
+            <a:off x="8384895" y="4684712"/>
+            <a:ext cx="301907" cy="288822"/>
           </a:xfrm>
           <a:prstGeom prst="rect">
             <a:avLst/>
@@ -902,7 +916,7 @@
         <p:spPr>
           <a:xfrm>
             <a:off x="0" y="4875212"/>
-            <a:ext cx="9144000" cy="268288"/>
+            <a:ext cx="9144000" cy="268289"/>
           </a:xfrm>
           <a:prstGeom prst="rect">
             <a:avLst/>
@@ -918,7 +932,14 @@
           <a:bodyPr lIns="0" tIns="0" rIns="0" bIns="0" anchor="ctr"/>
           <a:lstStyle/>
           <a:p>
-            <a:pPr/>
+            <a:pPr>
+              <a:defRPr>
+                <a:latin typeface="+mj-lt"/>
+                <a:ea typeface="+mj-ea"/>
+                <a:cs typeface="+mj-cs"/>
+                <a:sym typeface="Arial"/>
+              </a:defRPr>
+            </a:pPr>
           </a:p>
         </p:txBody>
       </p:sp>
@@ -947,7 +968,14 @@
           <a:bodyPr lIns="0" tIns="0" rIns="0" bIns="0" anchor="ctr"/>
           <a:lstStyle/>
           <a:p>
-            <a:pPr algn="ctr"/>
+            <a:pPr algn="ctr">
+              <a:defRPr>
+                <a:latin typeface="+mj-lt"/>
+                <a:ea typeface="+mj-ea"/>
+                <a:cs typeface="+mj-cs"/>
+                <a:sym typeface="Arial"/>
+              </a:defRPr>
+            </a:pPr>
           </a:p>
         </p:txBody>
       </p:sp>
@@ -970,7 +998,7 @@
         <p:spPr>
           <a:xfrm>
             <a:off x="468312" y="74613"/>
-            <a:ext cx="1223963" cy="425451"/>
+            <a:ext cx="1223963" cy="425452"/>
           </a:xfrm>
           <a:prstGeom prst="rect">
             <a:avLst/>
@@ -991,7 +1019,7 @@
         <p:spPr>
           <a:xfrm>
             <a:off x="722312" y="3305176"/>
-            <a:ext cx="7772401" cy="1021557"/>
+            <a:ext cx="7772401" cy="1021558"/>
           </a:xfrm>
           <a:prstGeom prst="rect">
             <a:avLst/>
@@ -1022,8 +1050,8 @@
         </p:nvSpPr>
         <p:spPr>
           <a:xfrm>
-            <a:off x="722312" y="2180034"/>
-            <a:ext cx="7772401" cy="1125141"/>
+            <a:off x="722312" y="2180033"/>
+            <a:ext cx="7772401" cy="1125142"/>
           </a:xfrm>
           <a:prstGeom prst="rect">
             <a:avLst/>
@@ -1040,7 +1068,7 @@
               <a:buNone/>
               <a:defRPr sz="2000"/>
             </a:lvl1pPr>
-            <a:lvl2pPr marL="0" indent="457200">
+            <a:lvl2pPr marL="0" indent="0">
               <a:spcBef>
                 <a:spcPts val="400"/>
               </a:spcBef>
@@ -1048,7 +1076,7 @@
               <a:buNone/>
               <a:defRPr sz="2000"/>
             </a:lvl2pPr>
-            <a:lvl3pPr marL="0" indent="914400">
+            <a:lvl3pPr marL="0" indent="0">
               <a:spcBef>
                 <a:spcPts val="400"/>
               </a:spcBef>
@@ -1056,7 +1084,7 @@
               <a:buNone/>
               <a:defRPr sz="2000"/>
             </a:lvl3pPr>
-            <a:lvl4pPr marL="0" indent="1371600">
+            <a:lvl4pPr marL="0" indent="0">
               <a:spcBef>
                 <a:spcPts val="400"/>
               </a:spcBef>
@@ -1064,7 +1092,7 @@
               <a:buNone/>
               <a:defRPr sz="2000"/>
             </a:lvl4pPr>
-            <a:lvl5pPr marL="0" indent="1828800">
+            <a:lvl5pPr marL="0" indent="0">
               <a:spcBef>
                 <a:spcPts val="400"/>
               </a:spcBef>
@@ -1114,10 +1142,6 @@
           </p:nvPr>
         </p:nvSpPr>
         <p:spPr>
-          <a:xfrm>
-            <a:off x="8384892" y="4857750"/>
-            <a:ext cx="301909" cy="288824"/>
-          </a:xfrm>
           <a:prstGeom prst="rect">
             <a:avLst/>
           </a:prstGeom>
@@ -1166,7 +1190,7 @@
         <p:spPr>
           <a:xfrm>
             <a:off x="0" y="4875212"/>
-            <a:ext cx="9144000" cy="268288"/>
+            <a:ext cx="9144000" cy="268289"/>
           </a:xfrm>
           <a:prstGeom prst="rect">
             <a:avLst/>
@@ -1182,7 +1206,14 @@
           <a:bodyPr lIns="0" tIns="0" rIns="0" bIns="0" anchor="ctr"/>
           <a:lstStyle/>
           <a:p>
-            <a:pPr/>
+            <a:pPr>
+              <a:defRPr>
+                <a:latin typeface="+mj-lt"/>
+                <a:ea typeface="+mj-ea"/>
+                <a:cs typeface="+mj-cs"/>
+                <a:sym typeface="Arial"/>
+              </a:defRPr>
+            </a:pPr>
           </a:p>
         </p:txBody>
       </p:sp>
@@ -1211,7 +1242,14 @@
           <a:bodyPr lIns="0" tIns="0" rIns="0" bIns="0" anchor="ctr"/>
           <a:lstStyle/>
           <a:p>
-            <a:pPr algn="ctr"/>
+            <a:pPr algn="ctr">
+              <a:defRPr>
+                <a:latin typeface="+mj-lt"/>
+                <a:ea typeface="+mj-ea"/>
+                <a:cs typeface="+mj-cs"/>
+                <a:sym typeface="Arial"/>
+              </a:defRPr>
+            </a:pPr>
           </a:p>
         </p:txBody>
       </p:sp>
@@ -1234,7 +1272,7 @@
         <p:spPr>
           <a:xfrm>
             <a:off x="468312" y="74613"/>
-            <a:ext cx="1223963" cy="425451"/>
+            <a:ext cx="1223963" cy="425452"/>
           </a:xfrm>
           <a:prstGeom prst="rect">
             <a:avLst/>
@@ -1278,8 +1316,8 @@
         </p:nvSpPr>
         <p:spPr>
           <a:xfrm>
-            <a:off x="457200" y="1437084"/>
-            <a:ext cx="4038600" cy="3157540"/>
+            <a:off x="457200" y="1437083"/>
+            <a:ext cx="4038600" cy="3157542"/>
           </a:xfrm>
           <a:prstGeom prst="rect">
             <a:avLst/>
@@ -1300,7 +1338,7 @@
               </a:spcBef>
               <a:defRPr sz="2800"/>
             </a:lvl2pPr>
-            <a:lvl3pPr marL="1234439" indent="-320039">
+            <a:lvl3pPr marL="1234438" indent="-320038">
               <a:spcBef>
                 <a:spcPts val="600"/>
               </a:spcBef>
@@ -1360,10 +1398,6 @@
           </p:nvPr>
         </p:nvSpPr>
         <p:spPr>
-          <a:xfrm>
-            <a:off x="8384892" y="4857750"/>
-            <a:ext cx="301909" cy="288824"/>
-          </a:xfrm>
           <a:prstGeom prst="rect">
             <a:avLst/>
           </a:prstGeom>
@@ -1412,7 +1446,7 @@
         <p:spPr>
           <a:xfrm>
             <a:off x="0" y="4875212"/>
-            <a:ext cx="9144000" cy="268288"/>
+            <a:ext cx="9144000" cy="268289"/>
           </a:xfrm>
           <a:prstGeom prst="rect">
             <a:avLst/>
@@ -1428,7 +1462,14 @@
           <a:bodyPr lIns="0" tIns="0" rIns="0" bIns="0" anchor="ctr"/>
           <a:lstStyle/>
           <a:p>
-            <a:pPr/>
+            <a:pPr>
+              <a:defRPr>
+                <a:latin typeface="+mj-lt"/>
+                <a:ea typeface="+mj-ea"/>
+                <a:cs typeface="+mj-cs"/>
+                <a:sym typeface="Arial"/>
+              </a:defRPr>
+            </a:pPr>
           </a:p>
         </p:txBody>
       </p:sp>
@@ -1457,7 +1498,14 @@
           <a:bodyPr lIns="0" tIns="0" rIns="0" bIns="0" anchor="ctr"/>
           <a:lstStyle/>
           <a:p>
-            <a:pPr algn="ctr"/>
+            <a:pPr algn="ctr">
+              <a:defRPr>
+                <a:latin typeface="+mj-lt"/>
+                <a:ea typeface="+mj-ea"/>
+                <a:cs typeface="+mj-cs"/>
+                <a:sym typeface="Arial"/>
+              </a:defRPr>
+            </a:pPr>
           </a:p>
         </p:txBody>
       </p:sp>
@@ -1480,7 +1528,7 @@
         <p:spPr>
           <a:xfrm>
             <a:off x="468312" y="74613"/>
-            <a:ext cx="1223963" cy="425451"/>
+            <a:ext cx="1223963" cy="425452"/>
           </a:xfrm>
           <a:prstGeom prst="rect">
             <a:avLst/>
@@ -1529,7 +1577,7 @@
         <p:spPr>
           <a:xfrm>
             <a:off x="457200" y="1371848"/>
-            <a:ext cx="4040188" cy="479823"/>
+            <a:ext cx="4040188" cy="479824"/>
           </a:xfrm>
           <a:prstGeom prst="rect">
             <a:avLst/>
@@ -1546,7 +1594,7 @@
               <a:buNone/>
               <a:defRPr b="1" sz="2400"/>
             </a:lvl1pPr>
-            <a:lvl2pPr marL="0" indent="457200">
+            <a:lvl2pPr marL="0" indent="0">
               <a:spcBef>
                 <a:spcPts val="500"/>
               </a:spcBef>
@@ -1554,7 +1602,7 @@
               <a:buNone/>
               <a:defRPr b="1" sz="2400"/>
             </a:lvl2pPr>
-            <a:lvl3pPr marL="0" indent="914400">
+            <a:lvl3pPr marL="0" indent="0">
               <a:spcBef>
                 <a:spcPts val="500"/>
               </a:spcBef>
@@ -1562,7 +1610,7 @@
               <a:buNone/>
               <a:defRPr b="1" sz="2400"/>
             </a:lvl3pPr>
-            <a:lvl4pPr marL="0" indent="1371600">
+            <a:lvl4pPr marL="0" indent="0">
               <a:spcBef>
                 <a:spcPts val="500"/>
               </a:spcBef>
@@ -1570,7 +1618,7 @@
               <a:buNone/>
               <a:defRPr b="1" sz="2400"/>
             </a:lvl4pPr>
-            <a:lvl5pPr marL="0" indent="1828800">
+            <a:lvl5pPr marL="0" indent="0">
               <a:spcBef>
                 <a:spcPts val="500"/>
               </a:spcBef>
@@ -1622,7 +1670,7 @@
         <p:spPr>
           <a:xfrm>
             <a:off x="4645028" y="1371848"/>
-            <a:ext cx="4041776" cy="479823"/>
+            <a:ext cx="4041777" cy="479824"/>
           </a:xfrm>
           <a:prstGeom prst="rect">
             <a:avLst/>
@@ -1632,13 +1680,11 @@
           <a:bodyPr anchor="b"/>
           <a:lstStyle/>
           <a:p>
-            <a:pPr marL="0" indent="0">
+            <a:pPr marL="301752" indent="-301752" defTabSz="804672">
               <a:spcBef>
-                <a:spcPts val="500"/>
+                <a:spcPts val="600"/>
               </a:spcBef>
-              <a:buSzTx/>
-              <a:buNone/>
-              <a:defRPr b="1" sz="2400"/>
+              <a:defRPr sz="2816"/>
             </a:pPr>
           </a:p>
         </p:txBody>
@@ -1652,10 +1698,6 @@
           </p:nvPr>
         </p:nvSpPr>
         <p:spPr>
-          <a:xfrm>
-            <a:off x="8384892" y="4857750"/>
-            <a:ext cx="301909" cy="288824"/>
-          </a:xfrm>
           <a:prstGeom prst="rect">
             <a:avLst/>
           </a:prstGeom>
@@ -1704,7 +1746,7 @@
         <p:spPr>
           <a:xfrm>
             <a:off x="0" y="4875212"/>
-            <a:ext cx="9144000" cy="268288"/>
+            <a:ext cx="9144000" cy="268289"/>
           </a:xfrm>
           <a:prstGeom prst="rect">
             <a:avLst/>
@@ -1720,7 +1762,14 @@
           <a:bodyPr lIns="0" tIns="0" rIns="0" bIns="0" anchor="ctr"/>
           <a:lstStyle/>
           <a:p>
-            <a:pPr/>
+            <a:pPr>
+              <a:defRPr>
+                <a:latin typeface="+mj-lt"/>
+                <a:ea typeface="+mj-ea"/>
+                <a:cs typeface="+mj-cs"/>
+                <a:sym typeface="Arial"/>
+              </a:defRPr>
+            </a:pPr>
           </a:p>
         </p:txBody>
       </p:sp>
@@ -1749,7 +1798,14 @@
           <a:bodyPr lIns="0" tIns="0" rIns="0" bIns="0" anchor="ctr"/>
           <a:lstStyle/>
           <a:p>
-            <a:pPr algn="ctr"/>
+            <a:pPr algn="ctr">
+              <a:defRPr>
+                <a:latin typeface="+mj-lt"/>
+                <a:ea typeface="+mj-ea"/>
+                <a:cs typeface="+mj-cs"/>
+                <a:sym typeface="Arial"/>
+              </a:defRPr>
+            </a:pPr>
           </a:p>
         </p:txBody>
       </p:sp>
@@ -1772,7 +1828,7 @@
         <p:spPr>
           <a:xfrm>
             <a:off x="468312" y="74613"/>
-            <a:ext cx="1223963" cy="425451"/>
+            <a:ext cx="1223963" cy="425452"/>
           </a:xfrm>
           <a:prstGeom prst="rect">
             <a:avLst/>
@@ -1815,10 +1871,6 @@
           </p:nvPr>
         </p:nvSpPr>
         <p:spPr>
-          <a:xfrm>
-            <a:off x="8384892" y="4857750"/>
-            <a:ext cx="301909" cy="288824"/>
-          </a:xfrm>
           <a:prstGeom prst="rect">
             <a:avLst/>
           </a:prstGeom>
@@ -1867,7 +1919,7 @@
         <p:spPr>
           <a:xfrm>
             <a:off x="0" y="4875212"/>
-            <a:ext cx="9144000" cy="268288"/>
+            <a:ext cx="9144000" cy="268289"/>
           </a:xfrm>
           <a:prstGeom prst="rect">
             <a:avLst/>
@@ -1883,7 +1935,14 @@
           <a:bodyPr lIns="0" tIns="0" rIns="0" bIns="0" anchor="ctr"/>
           <a:lstStyle/>
           <a:p>
-            <a:pPr/>
+            <a:pPr>
+              <a:defRPr>
+                <a:latin typeface="+mj-lt"/>
+                <a:ea typeface="+mj-ea"/>
+                <a:cs typeface="+mj-cs"/>
+                <a:sym typeface="Arial"/>
+              </a:defRPr>
+            </a:pPr>
           </a:p>
         </p:txBody>
       </p:sp>
@@ -1912,7 +1971,14 @@
           <a:bodyPr lIns="0" tIns="0" rIns="0" bIns="0" anchor="ctr"/>
           <a:lstStyle/>
           <a:p>
-            <a:pPr algn="ctr"/>
+            <a:pPr algn="ctr">
+              <a:defRPr>
+                <a:latin typeface="+mj-lt"/>
+                <a:ea typeface="+mj-ea"/>
+                <a:cs typeface="+mj-cs"/>
+                <a:sym typeface="Arial"/>
+              </a:defRPr>
+            </a:pPr>
           </a:p>
         </p:txBody>
       </p:sp>
@@ -1935,7 +2001,7 @@
         <p:spPr>
           <a:xfrm>
             <a:off x="468312" y="74613"/>
-            <a:ext cx="1223963" cy="425451"/>
+            <a:ext cx="1223963" cy="425452"/>
           </a:xfrm>
           <a:prstGeom prst="rect">
             <a:avLst/>
@@ -1954,10 +2020,6 @@
           </p:nvPr>
         </p:nvSpPr>
         <p:spPr>
-          <a:xfrm>
-            <a:off x="8384892" y="4857750"/>
-            <a:ext cx="301909" cy="288824"/>
-          </a:xfrm>
           <a:prstGeom prst="rect">
             <a:avLst/>
           </a:prstGeom>
@@ -2006,7 +2068,7 @@
         <p:spPr>
           <a:xfrm>
             <a:off x="0" y="4875212"/>
-            <a:ext cx="9144000" cy="268288"/>
+            <a:ext cx="9144000" cy="268289"/>
           </a:xfrm>
           <a:prstGeom prst="rect">
             <a:avLst/>
@@ -2022,7 +2084,14 @@
           <a:bodyPr lIns="0" tIns="0" rIns="0" bIns="0" anchor="ctr"/>
           <a:lstStyle/>
           <a:p>
-            <a:pPr/>
+            <a:pPr>
+              <a:defRPr>
+                <a:latin typeface="+mj-lt"/>
+                <a:ea typeface="+mj-ea"/>
+                <a:cs typeface="+mj-cs"/>
+                <a:sym typeface="Arial"/>
+              </a:defRPr>
+            </a:pPr>
           </a:p>
         </p:txBody>
       </p:sp>
@@ -2051,7 +2120,14 @@
           <a:bodyPr lIns="0" tIns="0" rIns="0" bIns="0" anchor="ctr"/>
           <a:lstStyle/>
           <a:p>
-            <a:pPr algn="ctr"/>
+            <a:pPr algn="ctr">
+              <a:defRPr>
+                <a:latin typeface="+mj-lt"/>
+                <a:ea typeface="+mj-ea"/>
+                <a:cs typeface="+mj-cs"/>
+                <a:sym typeface="Arial"/>
+              </a:defRPr>
+            </a:pPr>
           </a:p>
         </p:txBody>
       </p:sp>
@@ -2074,7 +2150,7 @@
         <p:spPr>
           <a:xfrm>
             <a:off x="468312" y="74613"/>
-            <a:ext cx="1223963" cy="425451"/>
+            <a:ext cx="1223963" cy="425452"/>
           </a:xfrm>
           <a:prstGeom prst="rect">
             <a:avLst/>
@@ -2095,7 +2171,7 @@
         <p:spPr>
           <a:xfrm>
             <a:off x="457203" y="411510"/>
-            <a:ext cx="3008314" cy="871538"/>
+            <a:ext cx="3008315" cy="871538"/>
           </a:xfrm>
           <a:prstGeom prst="rect">
             <a:avLst/>
@@ -2178,8 +2254,8 @@
         </p:nvSpPr>
         <p:spPr>
           <a:xfrm>
-            <a:off x="457202" y="1347614"/>
-            <a:ext cx="3008315" cy="3518297"/>
+            <a:off x="457201" y="1347614"/>
+            <a:ext cx="3008316" cy="3518297"/>
           </a:xfrm>
           <a:prstGeom prst="rect">
             <a:avLst/>
@@ -2189,14 +2265,7 @@
           <a:bodyPr/>
           <a:lstStyle/>
           <a:p>
-            <a:pPr marL="0" indent="0">
-              <a:spcBef>
-                <a:spcPts val="300"/>
-              </a:spcBef>
-              <a:buSzTx/>
-              <a:buNone/>
-              <a:defRPr sz="1400"/>
-            </a:pPr>
+            <a:pPr/>
           </a:p>
         </p:txBody>
       </p:sp>
@@ -2209,10 +2278,6 @@
           </p:nvPr>
         </p:nvSpPr>
         <p:spPr>
-          <a:xfrm>
-            <a:off x="8384892" y="4857750"/>
-            <a:ext cx="301909" cy="288824"/>
-          </a:xfrm>
           <a:prstGeom prst="rect">
             <a:avLst/>
           </a:prstGeom>
@@ -2261,7 +2326,7 @@
         <p:spPr>
           <a:xfrm>
             <a:off x="0" y="4875212"/>
-            <a:ext cx="9144000" cy="268288"/>
+            <a:ext cx="9144000" cy="268289"/>
           </a:xfrm>
           <a:prstGeom prst="rect">
             <a:avLst/>
@@ -2277,7 +2342,14 @@
           <a:bodyPr lIns="0" tIns="0" rIns="0" bIns="0" anchor="ctr"/>
           <a:lstStyle/>
           <a:p>
-            <a:pPr/>
+            <a:pPr>
+              <a:defRPr>
+                <a:latin typeface="+mj-lt"/>
+                <a:ea typeface="+mj-ea"/>
+                <a:cs typeface="+mj-cs"/>
+                <a:sym typeface="Arial"/>
+              </a:defRPr>
+            </a:pPr>
           </a:p>
         </p:txBody>
       </p:sp>
@@ -2306,7 +2378,14 @@
           <a:bodyPr lIns="0" tIns="0" rIns="0" bIns="0" anchor="ctr"/>
           <a:lstStyle/>
           <a:p>
-            <a:pPr algn="ctr"/>
+            <a:pPr algn="ctr">
+              <a:defRPr>
+                <a:latin typeface="+mj-lt"/>
+                <a:ea typeface="+mj-ea"/>
+                <a:cs typeface="+mj-cs"/>
+                <a:sym typeface="Arial"/>
+              </a:defRPr>
+            </a:pPr>
           </a:p>
         </p:txBody>
       </p:sp>
@@ -2329,7 +2408,7 @@
         <p:spPr>
           <a:xfrm>
             <a:off x="468312" y="74613"/>
-            <a:ext cx="1223963" cy="425451"/>
+            <a:ext cx="1223963" cy="425452"/>
           </a:xfrm>
           <a:prstGeom prst="rect">
             <a:avLst/>
@@ -2350,7 +2429,7 @@
         <p:spPr>
           <a:xfrm>
             <a:off x="1792288" y="3795886"/>
-            <a:ext cx="5486401" cy="425055"/>
+            <a:ext cx="5486402" cy="425056"/>
           </a:xfrm>
           <a:prstGeom prst="rect">
             <a:avLst/>
@@ -2382,14 +2461,14 @@
         <p:spPr>
           <a:xfrm>
             <a:off x="1792288" y="637777"/>
-            <a:ext cx="5486401" cy="3086101"/>
-          </a:xfrm>
-          <a:prstGeom prst="rect">
-            <a:avLst/>
-          </a:prstGeom>
-        </p:spPr>
-        <p:txBody>
-          <a:bodyPr lIns="91439" rIns="91439">
+            <a:ext cx="5486402" cy="3086101"/>
+          </a:xfrm>
+          <a:prstGeom prst="rect">
+            <a:avLst/>
+          </a:prstGeom>
+        </p:spPr>
+        <p:txBody>
+          <a:bodyPr lIns="91439" tIns="45719" rIns="91439" bIns="45719">
             <a:noAutofit/>
           </a:bodyPr>
           <a:lstStyle/>
@@ -2408,8 +2487,8 @@
         </p:nvSpPr>
         <p:spPr>
           <a:xfrm>
-            <a:off x="1792288" y="4272358"/>
-            <a:ext cx="5486401" cy="603649"/>
+            <a:off x="1792288" y="4272357"/>
+            <a:ext cx="5486402" cy="603650"/>
           </a:xfrm>
           <a:prstGeom prst="rect">
             <a:avLst/>
@@ -2426,7 +2505,7 @@
               <a:buNone/>
               <a:defRPr sz="1400"/>
             </a:lvl1pPr>
-            <a:lvl2pPr marL="0" indent="457200">
+            <a:lvl2pPr marL="0" indent="0">
               <a:spcBef>
                 <a:spcPts val="300"/>
               </a:spcBef>
@@ -2434,7 +2513,7 @@
               <a:buNone/>
               <a:defRPr sz="1400"/>
             </a:lvl2pPr>
-            <a:lvl3pPr marL="0" indent="914400">
+            <a:lvl3pPr marL="0" indent="0">
               <a:spcBef>
                 <a:spcPts val="300"/>
               </a:spcBef>
@@ -2442,7 +2521,7 @@
               <a:buNone/>
               <a:defRPr sz="1400"/>
             </a:lvl3pPr>
-            <a:lvl4pPr marL="0" indent="1371600">
+            <a:lvl4pPr marL="0" indent="0">
               <a:spcBef>
                 <a:spcPts val="300"/>
               </a:spcBef>
@@ -2450,7 +2529,7 @@
               <a:buNone/>
               <a:defRPr sz="1400"/>
             </a:lvl4pPr>
-            <a:lvl5pPr marL="0" indent="1828800">
+            <a:lvl5pPr marL="0" indent="0">
               <a:spcBef>
                 <a:spcPts val="300"/>
               </a:spcBef>
@@ -2500,10 +2579,6 @@
           </p:nvPr>
         </p:nvSpPr>
         <p:spPr>
-          <a:xfrm>
-            <a:off x="8384892" y="4857750"/>
-            <a:ext cx="301909" cy="288824"/>
-          </a:xfrm>
           <a:prstGeom prst="rect">
             <a:avLst/>
           </a:prstGeom>
@@ -2559,7 +2634,7 @@
         <p:spPr>
           <a:xfrm>
             <a:off x="0" y="4875212"/>
-            <a:ext cx="9144000" cy="268288"/>
+            <a:ext cx="9144000" cy="268289"/>
           </a:xfrm>
           <a:prstGeom prst="rect">
             <a:avLst/>
@@ -2575,7 +2650,14 @@
           <a:bodyPr lIns="0" tIns="0" rIns="0" bIns="0" anchor="ctr"/>
           <a:lstStyle/>
           <a:p>
-            <a:pPr/>
+            <a:pPr>
+              <a:defRPr>
+                <a:latin typeface="+mj-lt"/>
+                <a:ea typeface="+mj-ea"/>
+                <a:cs typeface="+mj-cs"/>
+                <a:sym typeface="Arial"/>
+              </a:defRPr>
+            </a:pPr>
           </a:p>
         </p:txBody>
       </p:sp>
@@ -2604,7 +2686,14 @@
           <a:bodyPr lIns="0" tIns="0" rIns="0" bIns="0" anchor="ctr"/>
           <a:lstStyle/>
           <a:p>
-            <a:pPr algn="ctr"/>
+            <a:pPr algn="ctr">
+              <a:defRPr>
+                <a:latin typeface="+mj-lt"/>
+                <a:ea typeface="+mj-ea"/>
+                <a:cs typeface="+mj-cs"/>
+                <a:sym typeface="Arial"/>
+              </a:defRPr>
+            </a:pPr>
           </a:p>
         </p:txBody>
       </p:sp>
@@ -2627,7 +2716,7 @@
         <p:spPr>
           <a:xfrm>
             <a:off x="468312" y="74613"/>
-            <a:ext cx="1223963" cy="425451"/>
+            <a:ext cx="1223963" cy="425452"/>
           </a:xfrm>
           <a:prstGeom prst="rect">
             <a:avLst/>
@@ -2663,7 +2752,7 @@
           </a:extLst>
         </p:spPr>
         <p:txBody>
-          <a:bodyPr lIns="45719" rIns="45719" anchor="ctr">
+          <a:bodyPr lIns="45718" tIns="45718" rIns="45718" bIns="45718" anchor="ctr">
             <a:normAutofit fontScale="100000" lnSpcReduction="0"/>
           </a:bodyPr>
           <a:lstStyle/>
@@ -2686,7 +2775,7 @@
         <p:spPr>
           <a:xfrm>
             <a:off x="457200" y="1436687"/>
-            <a:ext cx="8229600" cy="3157538"/>
+            <a:ext cx="8229600" cy="3157539"/>
           </a:xfrm>
           <a:prstGeom prst="rect">
             <a:avLst/>
@@ -2701,7 +2790,7 @@
           </a:extLst>
         </p:spPr>
         <p:txBody>
-          <a:bodyPr lIns="45719" rIns="45719">
+          <a:bodyPr lIns="45718" tIns="45718" rIns="45718" bIns="45718">
             <a:normAutofit fontScale="100000" lnSpcReduction="0"/>
           </a:bodyPr>
           <a:lstStyle/>
@@ -2747,8 +2836,8 @@
         </p:nvSpPr>
         <p:spPr>
           <a:xfrm>
-            <a:off x="8384892" y="4857750"/>
-            <a:ext cx="301909" cy="288824"/>
+            <a:off x="8384895" y="4857750"/>
+            <a:ext cx="301907" cy="288822"/>
           </a:xfrm>
           <a:prstGeom prst="rect">
             <a:avLst/>
@@ -2758,12 +2847,17 @@
           </a:ln>
         </p:spPr>
         <p:txBody>
-          <a:bodyPr wrap="none" lIns="45719" rIns="45719">
+          <a:bodyPr wrap="none" lIns="45718" tIns="45718" rIns="45718" bIns="45718">
             <a:spAutoFit/>
           </a:bodyPr>
           <a:lstStyle>
             <a:lvl1pPr algn="r">
-              <a:defRPr sz="1400"/>
+              <a:defRPr sz="1400">
+                <a:latin typeface="+mj-lt"/>
+                <a:ea typeface="+mj-ea"/>
+                <a:cs typeface="+mj-cs"/>
+                <a:sym typeface="Arial"/>
+              </a:defRPr>
             </a:lvl1pPr>
           </a:lstStyle>
           <a:p>
@@ -2919,7 +3013,7 @@
           <a:sym typeface="Arial"/>
         </a:defRPr>
       </a:lvl5pPr>
-      <a:lvl6pPr marL="0" marR="0" indent="457200" algn="l" defTabSz="914400" rtl="0" latinLnBrk="0">
+      <a:lvl6pPr marL="0" marR="0" indent="0" algn="l" defTabSz="914400" rtl="0" latinLnBrk="0">
         <a:lnSpc>
           <a:spcPct val="100000"/>
         </a:lnSpc>
@@ -2945,7 +3039,7 @@
           <a:sym typeface="Arial"/>
         </a:defRPr>
       </a:lvl6pPr>
-      <a:lvl7pPr marL="0" marR="0" indent="914400" algn="l" defTabSz="914400" rtl="0" latinLnBrk="0">
+      <a:lvl7pPr marL="0" marR="0" indent="0" algn="l" defTabSz="914400" rtl="0" latinLnBrk="0">
         <a:lnSpc>
           <a:spcPct val="100000"/>
         </a:lnSpc>
@@ -2971,7 +3065,7 @@
           <a:sym typeface="Arial"/>
         </a:defRPr>
       </a:lvl7pPr>
-      <a:lvl8pPr marL="0" marR="0" indent="1371600" algn="l" defTabSz="914400" rtl="0" latinLnBrk="0">
+      <a:lvl8pPr marL="0" marR="0" indent="0" algn="l" defTabSz="914400" rtl="0" latinLnBrk="0">
         <a:lnSpc>
           <a:spcPct val="100000"/>
         </a:lnSpc>
@@ -2997,7 +3091,7 @@
           <a:sym typeface="Arial"/>
         </a:defRPr>
       </a:lvl8pPr>
-      <a:lvl9pPr marL="0" marR="0" indent="1828800" algn="l" defTabSz="914400" rtl="0" latinLnBrk="0">
+      <a:lvl9pPr marL="0" marR="0" indent="0" algn="l" defTabSz="914400" rtl="0" latinLnBrk="0">
         <a:lnSpc>
           <a:spcPct val="100000"/>
         </a:lnSpc>
@@ -3287,7 +3381,7 @@
           <a:sym typeface="Arial"/>
         </a:defRPr>
       </a:lvl1pPr>
-      <a:lvl2pPr marL="0" marR="0" indent="457200" algn="r" defTabSz="914400" rtl="0" latinLnBrk="0">
+      <a:lvl2pPr marL="0" marR="0" indent="0" algn="r" defTabSz="914400" rtl="0" latinLnBrk="0">
         <a:lnSpc>
           <a:spcPct val="100000"/>
         </a:lnSpc>
@@ -3313,7 +3407,7 @@
           <a:sym typeface="Arial"/>
         </a:defRPr>
       </a:lvl2pPr>
-      <a:lvl3pPr marL="0" marR="0" indent="914400" algn="r" defTabSz="914400" rtl="0" latinLnBrk="0">
+      <a:lvl3pPr marL="0" marR="0" indent="0" algn="r" defTabSz="914400" rtl="0" latinLnBrk="0">
         <a:lnSpc>
           <a:spcPct val="100000"/>
         </a:lnSpc>
@@ -3339,7 +3433,7 @@
           <a:sym typeface="Arial"/>
         </a:defRPr>
       </a:lvl3pPr>
-      <a:lvl4pPr marL="0" marR="0" indent="1371600" algn="r" defTabSz="914400" rtl="0" latinLnBrk="0">
+      <a:lvl4pPr marL="0" marR="0" indent="0" algn="r" defTabSz="914400" rtl="0" latinLnBrk="0">
         <a:lnSpc>
           <a:spcPct val="100000"/>
         </a:lnSpc>
@@ -3365,7 +3459,7 @@
           <a:sym typeface="Arial"/>
         </a:defRPr>
       </a:lvl4pPr>
-      <a:lvl5pPr marL="0" marR="0" indent="1828800" algn="r" defTabSz="914400" rtl="0" latinLnBrk="0">
+      <a:lvl5pPr marL="0" marR="0" indent="0" algn="r" defTabSz="914400" rtl="0" latinLnBrk="0">
         <a:lnSpc>
           <a:spcPct val="100000"/>
         </a:lnSpc>
@@ -3391,7 +3485,7 @@
           <a:sym typeface="Arial"/>
         </a:defRPr>
       </a:lvl5pPr>
-      <a:lvl6pPr marL="0" marR="0" indent="2286000" algn="r" defTabSz="914400" rtl="0" latinLnBrk="0">
+      <a:lvl6pPr marL="0" marR="0" indent="0" algn="r" defTabSz="914400" rtl="0" latinLnBrk="0">
         <a:lnSpc>
           <a:spcPct val="100000"/>
         </a:lnSpc>
@@ -3417,7 +3511,7 @@
           <a:sym typeface="Arial"/>
         </a:defRPr>
       </a:lvl6pPr>
-      <a:lvl7pPr marL="0" marR="0" indent="2743200" algn="r" defTabSz="914400" rtl="0" latinLnBrk="0">
+      <a:lvl7pPr marL="0" marR="0" indent="0" algn="r" defTabSz="914400" rtl="0" latinLnBrk="0">
         <a:lnSpc>
           <a:spcPct val="100000"/>
         </a:lnSpc>
@@ -3443,7 +3537,7 @@
           <a:sym typeface="Arial"/>
         </a:defRPr>
       </a:lvl7pPr>
-      <a:lvl8pPr marL="0" marR="0" indent="3200400" algn="r" defTabSz="914400" rtl="0" latinLnBrk="0">
+      <a:lvl8pPr marL="0" marR="0" indent="0" algn="r" defTabSz="914400" rtl="0" latinLnBrk="0">
         <a:lnSpc>
           <a:spcPct val="100000"/>
         </a:lnSpc>
@@ -3469,7 +3563,7 @@
           <a:sym typeface="Arial"/>
         </a:defRPr>
       </a:lvl8pPr>
-      <a:lvl9pPr marL="0" marR="0" indent="3657600" algn="r" defTabSz="914400" rtl="0" latinLnBrk="0">
+      <a:lvl9pPr marL="0" marR="0" indent="0" algn="r" defTabSz="914400" rtl="0" latinLnBrk="0">
         <a:lnSpc>
           <a:spcPct val="100000"/>
         </a:lnSpc>
@@ -3526,6 +3620,10 @@
           </p:nvPr>
         </p:nvSpPr>
         <p:spPr>
+          <a:xfrm>
+            <a:off x="468315" y="1356809"/>
+            <a:ext cx="8207376" cy="646333"/>
+          </a:xfrm>
           <a:prstGeom prst="rect">
             <a:avLst/>
           </a:prstGeom>
@@ -3546,13 +3644,13 @@
           <p:cNvPr id="122" name="Slide Number Placeholder 5"/>
           <p:cNvSpPr txBox="1"/>
           <p:nvPr>
-            <p:ph type="sldNum" sz="quarter" idx="2"/>
+            <p:ph type="sldNum" sz="quarter" idx="4294967295"/>
           </p:nvPr>
         </p:nvSpPr>
         <p:spPr>
           <a:xfrm>
-            <a:off x="8483776" y="4684712"/>
-            <a:ext cx="203024" cy="288825"/>
+            <a:off x="8483775" y="4684712"/>
+            <a:ext cx="203023" cy="288822"/>
           </a:xfrm>
           <a:prstGeom prst="rect">
             <a:avLst/>
@@ -3602,7 +3700,12 @@
           <a:lstStyle/>
           <a:p>
             <a:pPr algn="ctr">
-              <a:defRPr b="1" sz="2500"/>
+              <a:defRPr b="1" sz="2500">
+                <a:latin typeface="+mj-lt"/>
+                <a:ea typeface="+mj-ea"/>
+                <a:cs typeface="+mj-cs"/>
+                <a:sym typeface="Arial"/>
+              </a:defRPr>
             </a:pPr>
             <a:r>
               <a:t>Symbolic Transfer in Games </a:t>
@@ -3610,7 +3713,12 @@
           </a:p>
           <a:p>
             <a:pPr algn="ctr">
-              <a:defRPr b="1" sz="2500"/>
+              <a:defRPr b="1" sz="2500">
+                <a:latin typeface="+mj-lt"/>
+                <a:ea typeface="+mj-ea"/>
+                <a:cs typeface="+mj-cs"/>
+                <a:sym typeface="Arial"/>
+              </a:defRPr>
             </a:pPr>
             <a:r>
               <a:t>in Deep Reinforcement Learning</a:t>
@@ -3626,8 +3734,8 @@
         </p:nvSpPr>
         <p:spPr>
           <a:xfrm>
-            <a:off x="2604367" y="2085304"/>
-            <a:ext cx="4298519" cy="2058762"/>
+            <a:off x="2604366" y="2085303"/>
+            <a:ext cx="4298521" cy="2058762"/>
           </a:xfrm>
           <a:prstGeom prst="rect">
             <a:avLst/>
@@ -3645,7 +3753,14 @@
           <a:bodyPr lIns="0" tIns="0" rIns="0" bIns="0"/>
           <a:lstStyle/>
           <a:p>
-            <a:pPr/>
+            <a:pPr>
+              <a:defRPr>
+                <a:latin typeface="+mj-lt"/>
+                <a:ea typeface="+mj-ea"/>
+                <a:cs typeface="+mj-cs"/>
+                <a:sym typeface="Arial"/>
+              </a:defRPr>
+            </a:pPr>
           </a:p>
         </p:txBody>
       </p:sp>
@@ -3657,8 +3772,8 @@
         </p:nvSpPr>
         <p:spPr>
           <a:xfrm>
-            <a:off x="1372378" y="4053451"/>
-            <a:ext cx="5416613" cy="525923"/>
+            <a:off x="1372377" y="4053451"/>
+            <a:ext cx="5416613" cy="525922"/>
           </a:xfrm>
           <a:prstGeom prst="rect">
             <a:avLst/>
@@ -3678,10 +3793,24 @@
           </a:bodyPr>
           <a:lstStyle/>
           <a:p>
-            <a:pPr/>
-          </a:p>
-          <a:p>
-            <a:pPr/>
+            <a:pPr>
+              <a:defRPr>
+                <a:latin typeface="+mj-lt"/>
+                <a:ea typeface="+mj-ea"/>
+                <a:cs typeface="+mj-cs"/>
+                <a:sym typeface="Arial"/>
+              </a:defRPr>
+            </a:pPr>
+          </a:p>
+          <a:p>
+            <a:pPr>
+              <a:defRPr>
+                <a:latin typeface="+mj-lt"/>
+                <a:ea typeface="+mj-ea"/>
+                <a:cs typeface="+mj-cs"/>
+                <a:sym typeface="Arial"/>
+              </a:defRPr>
+            </a:pPr>
             <a:r>
               <a:t>Team Members: Taylor Qin, Junming Zhao, Wei Zhou</a:t>
             </a:r>
@@ -3697,7 +3826,7 @@
         <p:spPr>
           <a:xfrm>
             <a:off x="408694" y="3958985"/>
-            <a:ext cx="1630538" cy="259222"/>
+            <a:ext cx="1630537" cy="259222"/>
           </a:xfrm>
           <a:prstGeom prst="rect">
             <a:avLst/>
@@ -3715,7 +3844,16 @@
           <a:bodyPr wrap="none" lIns="0" tIns="0" rIns="0" bIns="0">
             <a:spAutoFit/>
           </a:bodyPr>
-          <a:lstStyle/>
+          <a:lstStyle>
+            <a:lvl1pPr>
+              <a:defRPr>
+                <a:latin typeface="+mj-lt"/>
+                <a:ea typeface="+mj-ea"/>
+                <a:cs typeface="+mj-cs"/>
+                <a:sym typeface="Arial"/>
+              </a:defRPr>
+            </a:lvl1pPr>
+          </a:lstStyle>
           <a:p>
             <a:pPr/>
             <a:r>
@@ -3759,6 +3897,10 @@
           </p:nvPr>
         </p:nvSpPr>
         <p:spPr>
+          <a:xfrm>
+            <a:off x="468312" y="573087"/>
+            <a:ext cx="8229601" cy="857251"/>
+          </a:xfrm>
           <a:prstGeom prst="rect">
             <a:avLst/>
           </a:prstGeom>
@@ -3784,8 +3926,8 @@
         </p:nvSpPr>
         <p:spPr>
           <a:xfrm>
-            <a:off x="457200" y="1436687"/>
-            <a:ext cx="8229600" cy="3157539"/>
+            <a:off x="457200" y="1436686"/>
+            <a:ext cx="8229600" cy="3157541"/>
           </a:xfrm>
           <a:prstGeom prst="rect">
             <a:avLst/>
@@ -3807,13 +3949,13 @@
           <p:cNvPr id="130" name="灯片编号占位符 3"/>
           <p:cNvSpPr txBox="1"/>
           <p:nvPr>
-            <p:ph type="sldNum" sz="quarter" idx="2"/>
+            <p:ph type="sldNum" sz="quarter" idx="4294967295"/>
           </p:nvPr>
         </p:nvSpPr>
         <p:spPr>
           <a:xfrm>
-            <a:off x="8483776" y="4857750"/>
-            <a:ext cx="203025" cy="288824"/>
+            <a:off x="8483775" y="4857750"/>
+            <a:ext cx="203023" cy="288822"/>
           </a:xfrm>
           <a:prstGeom prst="rect">
             <a:avLst/>
@@ -3841,8 +3983,8 @@
         </p:nvSpPr>
         <p:spPr>
           <a:xfrm>
-            <a:off x="1944531" y="2605529"/>
-            <a:ext cx="1939093" cy="1939094"/>
+            <a:off x="1944530" y="2605528"/>
+            <a:ext cx="1939094" cy="1939095"/>
           </a:xfrm>
           <a:prstGeom prst="rect">
             <a:avLst/>
@@ -3860,7 +4002,14 @@
           <a:bodyPr lIns="0" tIns="0" rIns="0" bIns="0"/>
           <a:lstStyle/>
           <a:p>
-            <a:pPr/>
+            <a:pPr>
+              <a:defRPr>
+                <a:latin typeface="+mj-lt"/>
+                <a:ea typeface="+mj-ea"/>
+                <a:cs typeface="+mj-cs"/>
+                <a:sym typeface="Arial"/>
+              </a:defRPr>
+            </a:pPr>
           </a:p>
         </p:txBody>
       </p:sp>
@@ -3872,8 +4021,8 @@
         </p:nvSpPr>
         <p:spPr>
           <a:xfrm>
-            <a:off x="5485174" y="2605529"/>
-            <a:ext cx="1939093" cy="1939094"/>
+            <a:off x="5485174" y="2605528"/>
+            <a:ext cx="1939094" cy="1939095"/>
           </a:xfrm>
           <a:prstGeom prst="rect">
             <a:avLst/>
@@ -3891,7 +4040,14 @@
           <a:bodyPr lIns="0" tIns="0" rIns="0" bIns="0"/>
           <a:lstStyle/>
           <a:p>
-            <a:pPr/>
+            <a:pPr>
+              <a:defRPr>
+                <a:latin typeface="+mj-lt"/>
+                <a:ea typeface="+mj-ea"/>
+                <a:cs typeface="+mj-cs"/>
+                <a:sym typeface="Arial"/>
+              </a:defRPr>
+            </a:pPr>
           </a:p>
         </p:txBody>
       </p:sp>
@@ -3903,8 +4059,8 @@
         </p:nvSpPr>
         <p:spPr>
           <a:xfrm>
-            <a:off x="3934549" y="3575076"/>
-            <a:ext cx="1499700" cy="1"/>
+            <a:off x="3934548" y="3575075"/>
+            <a:ext cx="1499701" cy="2"/>
           </a:xfrm>
           <a:prstGeom prst="line">
             <a:avLst/>
@@ -3924,7 +4080,7 @@
           </a:effectLst>
         </p:spPr>
         <p:txBody>
-          <a:bodyPr lIns="0" tIns="0" rIns="0" bIns="0"/>
+          <a:bodyPr lIns="45718" tIns="45718" rIns="45718" bIns="45718"/>
           <a:lstStyle/>
           <a:p>
             <a:pPr/>
@@ -3966,6 +4122,10 @@
           </p:nvPr>
         </p:nvSpPr>
         <p:spPr>
+          <a:xfrm>
+            <a:off x="468312" y="573087"/>
+            <a:ext cx="8229601" cy="857251"/>
+          </a:xfrm>
           <a:prstGeom prst="rect">
             <a:avLst/>
           </a:prstGeom>
@@ -3976,48 +4136,23 @@
           <a:p>
             <a:pPr/>
             <a:r>
-              <a:t>Why is our research important?</a:t>
-            </a:r>
-          </a:p>
-        </p:txBody>
-      </p:sp>
-      <p:sp>
-        <p:nvSpPr>
-          <p:cNvPr id="136" name="内容占位符 2"/>
+              <a:t>What methods do we use?</a:t>
+            </a:r>
+          </a:p>
+        </p:txBody>
+      </p:sp>
+      <p:sp>
+        <p:nvSpPr>
+          <p:cNvPr id="136" name="灯片编号占位符 3"/>
           <p:cNvSpPr txBox="1"/>
           <p:nvPr>
-            <p:ph type="body" idx="1"/>
+            <p:ph type="sldNum" sz="quarter" idx="4294967295"/>
           </p:nvPr>
         </p:nvSpPr>
         <p:spPr>
           <a:xfrm>
-            <a:off x="457200" y="1436687"/>
-            <a:ext cx="8229600" cy="3157538"/>
-          </a:xfrm>
-          <a:prstGeom prst="rect">
-            <a:avLst/>
-          </a:prstGeom>
-        </p:spPr>
-        <p:txBody>
-          <a:bodyPr/>
-          <a:lstStyle/>
-          <a:p>
-            <a:pPr/>
-          </a:p>
-        </p:txBody>
-      </p:sp>
-      <p:sp>
-        <p:nvSpPr>
-          <p:cNvPr id="137" name="灯片编号占位符 3"/>
-          <p:cNvSpPr txBox="1"/>
-          <p:nvPr>
-            <p:ph type="sldNum" sz="quarter" idx="2"/>
-          </p:nvPr>
-        </p:nvSpPr>
-        <p:spPr>
-          <a:xfrm>
-            <a:off x="8483776" y="4857750"/>
-            <a:ext cx="203025" cy="288824"/>
+            <a:off x="8483775" y="4857750"/>
+            <a:ext cx="203023" cy="288822"/>
           </a:xfrm>
           <a:prstGeom prst="rect">
             <a:avLst/>
@@ -4034,6 +4169,85 @@
           <a:p>
             <a:pPr/>
             <a:fld id="{86CB4B4D-7CA3-9044-876B-883B54F8677D}" type="slidenum"/>
+          </a:p>
+        </p:txBody>
+      </p:sp>
+      <p:pic>
+        <p:nvPicPr>
+          <p:cNvPr id="137" name="Image" descr="Image"/>
+          <p:cNvPicPr>
+            <a:picLocks noChangeAspect="1"/>
+          </p:cNvPicPr>
+          <p:nvPr/>
+        </p:nvPicPr>
+        <p:blipFill>
+          <a:blip r:embed="rId2">
+            <a:extLst/>
+          </a:blip>
+          <a:stretch>
+            <a:fillRect/>
+          </a:stretch>
+        </p:blipFill>
+        <p:spPr>
+          <a:xfrm>
+            <a:off x="827856" y="2004392"/>
+            <a:ext cx="7488288" cy="2818396"/>
+          </a:xfrm>
+          <a:prstGeom prst="rect">
+            <a:avLst/>
+          </a:prstGeom>
+          <a:ln w="12700">
+            <a:miter lim="400000"/>
+          </a:ln>
+        </p:spPr>
+      </p:pic>
+      <p:sp>
+        <p:nvSpPr>
+          <p:cNvPr id="138" name="Unsupervised Symbol Extraction: Auto-Encoder…"/>
+          <p:cNvSpPr txBox="1"/>
+          <p:nvPr/>
+        </p:nvSpPr>
+        <p:spPr>
+          <a:xfrm>
+            <a:off x="561300" y="1342367"/>
+            <a:ext cx="5544042" cy="609601"/>
+          </a:xfrm>
+          <a:prstGeom prst="rect">
+            <a:avLst/>
+          </a:prstGeom>
+          <a:ln w="12700">
+            <a:miter lim="400000"/>
+          </a:ln>
+          <a:extLst>
+            <a:ext uri="{C572A759-6A51-4108-AA02-DFA0A04FC94B}">
+              <ma14:wrappingTextBoxFlag xmlns:ma14="http://schemas.microsoft.com/office/mac/drawingml/2011/main" val="1"/>
+            </a:ext>
+          </a:extLst>
+        </p:spPr>
+        <p:txBody>
+          <a:bodyPr wrap="none" lIns="0" tIns="0" rIns="0" bIns="0">
+            <a:spAutoFit/>
+          </a:bodyPr>
+          <a:lstStyle/>
+          <a:p>
+            <a:pPr marL="180473" indent="-180473">
+              <a:buSzPct val="100000"/>
+              <a:buChar char="•"/>
+              <a:defRPr sz="2000"/>
+            </a:pPr>
+            <a:r>
+              <a:t>Unsupervised Symbol Extraction: Auto-Encoder</a:t>
+            </a:r>
+          </a:p>
+          <a:p>
+            <a:pPr marL="180473" indent="-180473">
+              <a:buSzPct val="100000"/>
+              <a:buChar char="•"/>
+              <a:defRPr sz="2000"/>
+            </a:pPr>
+            <a:r>
+              <a:t>Classification: Probe Policy</a:t>
+            </a:r>
           </a:p>
         </p:txBody>
       </p:sp>
@@ -4065,13 +4279,17 @@
       </p:grpSpPr>
       <p:sp>
         <p:nvSpPr>
-          <p:cNvPr id="139" name="标题 1"/>
+          <p:cNvPr id="140" name="标题 1"/>
           <p:cNvSpPr txBox="1"/>
           <p:nvPr>
             <p:ph type="title"/>
           </p:nvPr>
         </p:nvSpPr>
         <p:spPr>
+          <a:xfrm>
+            <a:off x="468312" y="573087"/>
+            <a:ext cx="8229601" cy="857251"/>
+          </a:xfrm>
           <a:prstGeom prst="rect">
             <a:avLst/>
           </a:prstGeom>
@@ -4082,23 +4300,23 @@
           <a:p>
             <a:pPr/>
             <a:r>
-              <a:t>What methods do we use?</a:t>
-            </a:r>
-          </a:p>
-        </p:txBody>
-      </p:sp>
-      <p:sp>
-        <p:nvSpPr>
-          <p:cNvPr id="140" name="内容占位符 2"/>
+              <a:t>Why is our research important?</a:t>
+            </a:r>
+          </a:p>
+        </p:txBody>
+      </p:sp>
+      <p:sp>
+        <p:nvSpPr>
+          <p:cNvPr id="141" name="内容占位符 2"/>
           <p:cNvSpPr txBox="1"/>
           <p:nvPr>
-            <p:ph type="body" idx="1"/>
+            <p:ph type="body" sz="half" idx="1"/>
           </p:nvPr>
         </p:nvSpPr>
         <p:spPr>
           <a:xfrm>
-            <a:off x="457200" y="1436687"/>
-            <a:ext cx="8229600" cy="3157538"/>
+            <a:off x="234609" y="1436686"/>
+            <a:ext cx="4350267" cy="3157540"/>
           </a:xfrm>
           <a:prstGeom prst="rect">
             <a:avLst/>
@@ -4108,25 +4326,65 @@
           <a:bodyPr/>
           <a:lstStyle/>
           <a:p>
-            <a:pPr/>
-            <a:r>
-              <a:t>Ad..</a:t>
-            </a:r>
-          </a:p>
-        </p:txBody>
-      </p:sp>
-      <p:sp>
-        <p:nvSpPr>
-          <p:cNvPr id="141" name="灯片编号占位符 3"/>
+            <a:pPr marL="0" indent="0">
+              <a:buSzTx/>
+              <a:buNone/>
+              <a:defRPr sz="3000"/>
+            </a:pPr>
+            <a:r>
+              <a:t>Why transfer?</a:t>
+            </a:r>
+          </a:p>
+          <a:p>
+            <a:pPr marL="320842" indent="-320842">
+              <a:buAutoNum type="arabicPeriod" startAt="1"/>
+              <a:defRPr sz="2400"/>
+            </a:pPr>
+            <a:r>
+              <a:t>Save training time</a:t>
+            </a:r>
+          </a:p>
+          <a:p>
+            <a:pPr marL="320842" indent="-320842">
+              <a:buAutoNum type="arabicPeriod" startAt="1"/>
+              <a:defRPr sz="2400"/>
+            </a:pPr>
+            <a:r>
+              <a:t>Better performance of neural networks</a:t>
+            </a:r>
+          </a:p>
+          <a:p>
+            <a:pPr marL="320842" indent="-320842">
+              <a:buAutoNum type="arabicPeriod" startAt="1"/>
+              <a:defRPr sz="2400"/>
+            </a:pPr>
+            <a:r>
+              <a:t>Not needing a lot of data</a:t>
+            </a:r>
+          </a:p>
+          <a:p>
+            <a:pPr marL="320842" indent="-320842">
+              <a:buAutoNum type="arabicPeriod" startAt="1"/>
+              <a:defRPr sz="2400"/>
+            </a:pPr>
+            <a:r>
+              <a:t>Reuse prior knowledge</a:t>
+            </a:r>
+          </a:p>
+        </p:txBody>
+      </p:sp>
+      <p:sp>
+        <p:nvSpPr>
+          <p:cNvPr id="142" name="灯片编号占位符 3"/>
           <p:cNvSpPr txBox="1"/>
           <p:nvPr>
-            <p:ph type="sldNum" sz="quarter" idx="2"/>
+            <p:ph type="sldNum" sz="quarter" idx="4294967295"/>
           </p:nvPr>
         </p:nvSpPr>
         <p:spPr>
           <a:xfrm>
-            <a:off x="8483776" y="4857750"/>
-            <a:ext cx="203025" cy="288824"/>
+            <a:off x="8483775" y="4857750"/>
+            <a:ext cx="203023" cy="288822"/>
           </a:xfrm>
           <a:prstGeom prst="rect">
             <a:avLst/>
@@ -4143,6 +4401,124 @@
           <a:p>
             <a:pPr/>
             <a:fld id="{86CB4B4D-7CA3-9044-876B-883B54F8677D}" type="slidenum"/>
+          </a:p>
+        </p:txBody>
+      </p:sp>
+      <p:sp>
+        <p:nvSpPr>
+          <p:cNvPr id="143" name="内容占位符 2"/>
+          <p:cNvSpPr txBox="1"/>
+          <p:nvPr/>
+        </p:nvSpPr>
+        <p:spPr>
+          <a:xfrm>
+            <a:off x="4722114" y="1436686"/>
+            <a:ext cx="4641102" cy="3157540"/>
+          </a:xfrm>
+          <a:prstGeom prst="rect">
+            <a:avLst/>
+          </a:prstGeom>
+          <a:ln w="12700">
+            <a:miter lim="400000"/>
+          </a:ln>
+          <a:extLst>
+            <a:ext uri="{C572A759-6A51-4108-AA02-DFA0A04FC94B}">
+              <ma14:wrappingTextBoxFlag xmlns:ma14="http://schemas.microsoft.com/office/mac/drawingml/2011/main" val="1"/>
+            </a:ext>
+          </a:extLst>
+        </p:spPr>
+        <p:txBody>
+          <a:bodyPr lIns="45718" tIns="45718" rIns="45718" bIns="45718">
+            <a:normAutofit fontScale="100000" lnSpcReduction="0"/>
+          </a:bodyPr>
+          <a:lstStyle/>
+          <a:p>
+            <a:pPr>
+              <a:spcBef>
+                <a:spcPts val="700"/>
+              </a:spcBef>
+              <a:defRPr sz="3000">
+                <a:latin typeface="+mj-lt"/>
+                <a:ea typeface="+mj-ea"/>
+                <a:cs typeface="+mj-cs"/>
+                <a:sym typeface="Arial"/>
+              </a:defRPr>
+            </a:pPr>
+            <a:r>
+              <a:t>Why extract symbols?</a:t>
+            </a:r>
+          </a:p>
+          <a:p>
+            <a:pPr marL="320842" indent="-320842">
+              <a:spcBef>
+                <a:spcPts val="700"/>
+              </a:spcBef>
+              <a:buSzPct val="100000"/>
+              <a:buAutoNum type="arabicPeriod" startAt="1"/>
+              <a:defRPr sz="2400">
+                <a:latin typeface="+mj-lt"/>
+                <a:ea typeface="+mj-ea"/>
+                <a:cs typeface="+mj-cs"/>
+                <a:sym typeface="Arial"/>
+              </a:defRPr>
+            </a:pPr>
+            <a:r>
+              <a:t>Save more time</a:t>
+            </a:r>
+          </a:p>
+          <a:p>
+            <a:pPr marL="320842" indent="-320842">
+              <a:spcBef>
+                <a:spcPts val="700"/>
+              </a:spcBef>
+              <a:buSzPct val="100000"/>
+              <a:buAutoNum type="arabicPeriod" startAt="1"/>
+              <a:defRPr sz="2400">
+                <a:latin typeface="+mj-lt"/>
+                <a:ea typeface="+mj-ea"/>
+                <a:cs typeface="+mj-cs"/>
+                <a:sym typeface="Arial"/>
+              </a:defRPr>
+            </a:pPr>
+            <a:r>
+              <a:t>Complex symbols adaptable</a:t>
+            </a:r>
+          </a:p>
+          <a:p>
+            <a:pPr marL="320842" indent="-320842">
+              <a:spcBef>
+                <a:spcPts val="700"/>
+              </a:spcBef>
+              <a:buSzPct val="100000"/>
+              <a:buAutoNum type="arabicPeriod" startAt="1"/>
+              <a:defRPr sz="2400">
+                <a:latin typeface="+mj-lt"/>
+                <a:ea typeface="+mj-ea"/>
+                <a:cs typeface="+mj-cs"/>
+                <a:sym typeface="Arial"/>
+              </a:defRPr>
+            </a:pPr>
+            <a:r>
+              <a:t>Human-readable</a:t>
+            </a:r>
+          </a:p>
+          <a:p>
+            <a:pPr marL="320842" indent="-320842">
+              <a:spcBef>
+                <a:spcPts val="700"/>
+              </a:spcBef>
+              <a:buSzPct val="100000"/>
+              <a:buAutoNum type="arabicPeriod" startAt="1"/>
+              <a:defRPr sz="2400">
+                <a:latin typeface="+mj-lt"/>
+                <a:ea typeface="+mj-ea"/>
+                <a:cs typeface="+mj-cs"/>
+                <a:sym typeface="Arial"/>
+              </a:defRPr>
+            </a:pPr>
+            <a:r>
+              <a:t>Denoise</a:t>
+            </a:r>
           </a:p>
         </p:txBody>
       </p:sp>
@@ -4174,13 +4550,17 @@
       </p:grpSpPr>
       <p:sp>
         <p:nvSpPr>
-          <p:cNvPr id="143" name="标题 1"/>
+          <p:cNvPr id="145" name="标题 1"/>
           <p:cNvSpPr txBox="1"/>
           <p:nvPr>
             <p:ph type="title"/>
           </p:nvPr>
         </p:nvSpPr>
         <p:spPr>
+          <a:xfrm>
+            <a:off x="468312" y="573087"/>
+            <a:ext cx="8229601" cy="857251"/>
+          </a:xfrm>
           <a:prstGeom prst="rect">
             <a:avLst/>
           </a:prstGeom>
@@ -4198,7 +4578,7 @@
       </p:sp>
       <p:sp>
         <p:nvSpPr>
-          <p:cNvPr id="144" name="内容占位符 2"/>
+          <p:cNvPr id="146" name="内容占位符 2"/>
           <p:cNvSpPr txBox="1"/>
           <p:nvPr>
             <p:ph type="body" idx="1"/>
@@ -4206,8 +4586,8 @@
         </p:nvSpPr>
         <p:spPr>
           <a:xfrm>
-            <a:off x="457200" y="1436687"/>
-            <a:ext cx="8229600" cy="3157538"/>
+            <a:off x="457200" y="1436686"/>
+            <a:ext cx="8229600" cy="3157540"/>
           </a:xfrm>
           <a:prstGeom prst="rect">
             <a:avLst/>
@@ -4223,16 +4603,16 @@
       </p:sp>
       <p:sp>
         <p:nvSpPr>
-          <p:cNvPr id="145" name="灯片编号占位符 3"/>
+          <p:cNvPr id="147" name="灯片编号占位符 3"/>
           <p:cNvSpPr txBox="1"/>
           <p:nvPr>
-            <p:ph type="sldNum" sz="quarter" idx="2"/>
+            <p:ph type="sldNum" sz="quarter" idx="4294967295"/>
           </p:nvPr>
         </p:nvSpPr>
         <p:spPr>
           <a:xfrm>
-            <a:off x="8483776" y="4857750"/>
-            <a:ext cx="203025" cy="288824"/>
+            <a:off x="8483775" y="4857750"/>
+            <a:ext cx="203023" cy="288822"/>
           </a:xfrm>
           <a:prstGeom prst="rect">
             <a:avLst/>
@@ -4280,13 +4660,17 @@
       </p:grpSpPr>
       <p:sp>
         <p:nvSpPr>
-          <p:cNvPr id="147" name="标题 1"/>
+          <p:cNvPr id="149" name="标题 1"/>
           <p:cNvSpPr txBox="1"/>
           <p:nvPr>
             <p:ph type="title"/>
           </p:nvPr>
         </p:nvSpPr>
         <p:spPr>
+          <a:xfrm>
+            <a:off x="468312" y="573087"/>
+            <a:ext cx="8229601" cy="857251"/>
+          </a:xfrm>
           <a:prstGeom prst="rect">
             <a:avLst/>
           </a:prstGeom>
@@ -4304,7 +4688,7 @@
       </p:sp>
       <p:sp>
         <p:nvSpPr>
-          <p:cNvPr id="148" name="内容占位符 2"/>
+          <p:cNvPr id="150" name="内容占位符 2"/>
           <p:cNvSpPr txBox="1"/>
           <p:nvPr>
             <p:ph type="body" idx="1"/>
@@ -4312,8 +4696,8 @@
         </p:nvSpPr>
         <p:spPr>
           <a:xfrm>
-            <a:off x="457200" y="1436687"/>
-            <a:ext cx="8229600" cy="3157538"/>
+            <a:off x="457200" y="1436686"/>
+            <a:ext cx="8229600" cy="3157540"/>
           </a:xfrm>
           <a:prstGeom prst="rect">
             <a:avLst/>
@@ -4329,16 +4713,16 @@
       </p:sp>
       <p:sp>
         <p:nvSpPr>
-          <p:cNvPr id="149" name="灯片编号占位符 3"/>
+          <p:cNvPr id="151" name="灯片编号占位符 3"/>
           <p:cNvSpPr txBox="1"/>
           <p:nvPr>
-            <p:ph type="sldNum" sz="quarter" idx="2"/>
+            <p:ph type="sldNum" sz="quarter" idx="4294967295"/>
           </p:nvPr>
         </p:nvSpPr>
         <p:spPr>
           <a:xfrm>
-            <a:off x="8483776" y="4857750"/>
-            <a:ext cx="203025" cy="288824"/>
+            <a:off x="8483775" y="4857750"/>
+            <a:ext cx="203023" cy="288822"/>
           </a:xfrm>
           <a:prstGeom prst="rect">
             <a:avLst/>
@@ -4499,13 +4883,7 @@
           <a:effectLst/>
         </a:effectStyle>
         <a:effectStyle>
-          <a:effectLst>
-            <a:outerShdw sx="100000" sy="100000" kx="0" ky="0" algn="b" rotWithShape="0" blurRad="38100" dist="20000" dir="5400000">
-              <a:srgbClr val="000000">
-                <a:alpha val="38000"/>
-              </a:srgbClr>
-            </a:outerShdw>
-          </a:effectLst>
+          <a:effectLst/>
         </a:effectStyle>
       </a:effectStyleLst>
       <a:bgFillStyleLst>
@@ -4564,7 +4942,7 @@
     <a:spDef>
       <a:spPr>
         <a:solidFill>
-          <a:srgbClr val="000000"/>
+          <a:srgbClr val="FFFFFF"/>
         </a:solidFill>
         <a:ln w="25400" cap="flat">
           <a:solidFill>
@@ -4604,10 +4982,10 @@
             </a:solidFill>
             <a:effectLst/>
             <a:uFillTx/>
-            <a:latin typeface="+mj-lt"/>
-            <a:ea typeface="+mj-ea"/>
-            <a:cs typeface="+mj-cs"/>
-            <a:sym typeface="Arial"/>
+            <a:latin typeface="+mn-lt"/>
+            <a:ea typeface="+mn-ea"/>
+            <a:cs typeface="+mn-cs"/>
+            <a:sym typeface="Helvetica"/>
           </a:defRPr>
         </a:defPPr>
         <a:lvl1pPr marL="0" marR="0" indent="0" algn="l" defTabSz="914400" rtl="0" fontAlgn="auto" latinLnBrk="1" hangingPunct="0">
@@ -4862,13 +5240,7 @@
           <a:prstDash val="solid"/>
           <a:round/>
         </a:ln>
-        <a:effectLst>
-          <a:outerShdw sx="100000" sy="100000" kx="0" ky="0" algn="b" rotWithShape="0" blurRad="38100" dist="20000" dir="5400000">
-            <a:srgbClr val="000000">
-              <a:alpha val="38000"/>
-            </a:srgbClr>
-          </a:outerShdw>
-        </a:effectLst>
+        <a:effectLst/>
         <a:sp3d/>
       </a:spPr>
       <a:bodyPr rot="0" spcFirstLastPara="1" vertOverflow="overflow" horzOverflow="overflow" vert="horz" wrap="square" lIns="91439" tIns="45719" rIns="91439" bIns="45719" numCol="1" spcCol="38100" rtlCol="0" anchor="t" upright="0">
@@ -5181,10 +5553,10 @@
             </a:solidFill>
             <a:effectLst/>
             <a:uFillTx/>
-            <a:latin typeface="+mj-lt"/>
-            <a:ea typeface="+mj-ea"/>
-            <a:cs typeface="+mj-cs"/>
-            <a:sym typeface="Arial"/>
+            <a:latin typeface="+mn-lt"/>
+            <a:ea typeface="+mn-ea"/>
+            <a:cs typeface="+mn-cs"/>
+            <a:sym typeface="Helvetica"/>
           </a:defRPr>
         </a:defPPr>
         <a:lvl1pPr marL="0" marR="0" indent="0" algn="l" defTabSz="914400" rtl="0" fontAlgn="auto" latinLnBrk="1" hangingPunct="0">
@@ -5565,13 +5937,7 @@
           <a:effectLst/>
         </a:effectStyle>
         <a:effectStyle>
-          <a:effectLst>
-            <a:outerShdw sx="100000" sy="100000" kx="0" ky="0" algn="b" rotWithShape="0" blurRad="38100" dist="20000" dir="5400000">
-              <a:srgbClr val="000000">
-                <a:alpha val="38000"/>
-              </a:srgbClr>
-            </a:outerShdw>
-          </a:effectLst>
+          <a:effectLst/>
         </a:effectStyle>
       </a:effectStyleLst>
       <a:bgFillStyleLst>
@@ -5630,7 +5996,7 @@
     <a:spDef>
       <a:spPr>
         <a:solidFill>
-          <a:srgbClr val="000000"/>
+          <a:srgbClr val="FFFFFF"/>
         </a:solidFill>
         <a:ln w="25400" cap="flat">
           <a:solidFill>
@@ -5670,10 +6036,10 @@
             </a:solidFill>
             <a:effectLst/>
             <a:uFillTx/>
-            <a:latin typeface="+mj-lt"/>
-            <a:ea typeface="+mj-ea"/>
-            <a:cs typeface="+mj-cs"/>
-            <a:sym typeface="Arial"/>
+            <a:latin typeface="+mn-lt"/>
+            <a:ea typeface="+mn-ea"/>
+            <a:cs typeface="+mn-cs"/>
+            <a:sym typeface="Helvetica"/>
           </a:defRPr>
         </a:defPPr>
         <a:lvl1pPr marL="0" marR="0" indent="0" algn="l" defTabSz="914400" rtl="0" fontAlgn="auto" latinLnBrk="1" hangingPunct="0">
@@ -5928,13 +6294,7 @@
           <a:prstDash val="solid"/>
           <a:round/>
         </a:ln>
-        <a:effectLst>
-          <a:outerShdw sx="100000" sy="100000" kx="0" ky="0" algn="b" rotWithShape="0" blurRad="38100" dist="20000" dir="5400000">
-            <a:srgbClr val="000000">
-              <a:alpha val="38000"/>
-            </a:srgbClr>
-          </a:outerShdw>
-        </a:effectLst>
+        <a:effectLst/>
         <a:sp3d/>
       </a:spPr>
       <a:bodyPr rot="0" spcFirstLastPara="1" vertOverflow="overflow" horzOverflow="overflow" vert="horz" wrap="square" lIns="91439" tIns="45719" rIns="91439" bIns="45719" numCol="1" spcCol="38100" rtlCol="0" anchor="t" upright="0">
@@ -6247,10 +6607,10 @@
             </a:solidFill>
             <a:effectLst/>
             <a:uFillTx/>
-            <a:latin typeface="+mj-lt"/>
-            <a:ea typeface="+mj-ea"/>
-            <a:cs typeface="+mj-cs"/>
-            <a:sym typeface="Arial"/>
+            <a:latin typeface="+mn-lt"/>
+            <a:ea typeface="+mn-ea"/>
+            <a:cs typeface="+mn-cs"/>
+            <a:sym typeface="Helvetica"/>
           </a:defRPr>
         </a:defPPr>
         <a:lvl1pPr marL="0" marR="0" indent="0" algn="l" defTabSz="914400" rtl="0" fontAlgn="auto" latinLnBrk="1" hangingPunct="0">
